--- a/data_science_ga/ga_submit/Final Project/Final Project Slides _ Face Recognition with Neural Networks.pptx
+++ b/data_science_ga/ga_submit/Final Project/Final Project Slides _ Face Recognition with Neural Networks.pptx
@@ -267,7 +267,7 @@
           <a:p>
             <a:fld id="{58780935-489C-480C-B5F3-352FC76F89BF}" type="datetimeFigureOut">
               <a:rPr lang="en-US" smtClean="0"/>
-              <a:t>6/13/2020</a:t>
+              <a:t>1/1/2021</a:t>
             </a:fld>
             <a:endParaRPr lang="en-US"/>
           </a:p>
@@ -465,7 +465,7 @@
           <a:p>
             <a:fld id="{58780935-489C-480C-B5F3-352FC76F89BF}" type="datetimeFigureOut">
               <a:rPr lang="en-US" smtClean="0"/>
-              <a:t>6/13/2020</a:t>
+              <a:t>1/1/2021</a:t>
             </a:fld>
             <a:endParaRPr lang="en-US"/>
           </a:p>
@@ -673,7 +673,7 @@
           <a:p>
             <a:fld id="{58780935-489C-480C-B5F3-352FC76F89BF}" type="datetimeFigureOut">
               <a:rPr lang="en-US" smtClean="0"/>
-              <a:t>6/13/2020</a:t>
+              <a:t>1/1/2021</a:t>
             </a:fld>
             <a:endParaRPr lang="en-US"/>
           </a:p>
@@ -871,7 +871,7 @@
           <a:p>
             <a:fld id="{58780935-489C-480C-B5F3-352FC76F89BF}" type="datetimeFigureOut">
               <a:rPr lang="en-US" smtClean="0"/>
-              <a:t>6/13/2020</a:t>
+              <a:t>1/1/2021</a:t>
             </a:fld>
             <a:endParaRPr lang="en-US"/>
           </a:p>
@@ -1146,7 +1146,7 @@
           <a:p>
             <a:fld id="{58780935-489C-480C-B5F3-352FC76F89BF}" type="datetimeFigureOut">
               <a:rPr lang="en-US" smtClean="0"/>
-              <a:t>6/13/2020</a:t>
+              <a:t>1/1/2021</a:t>
             </a:fld>
             <a:endParaRPr lang="en-US"/>
           </a:p>
@@ -1411,7 +1411,7 @@
           <a:p>
             <a:fld id="{58780935-489C-480C-B5F3-352FC76F89BF}" type="datetimeFigureOut">
               <a:rPr lang="en-US" smtClean="0"/>
-              <a:t>6/13/2020</a:t>
+              <a:t>1/1/2021</a:t>
             </a:fld>
             <a:endParaRPr lang="en-US"/>
           </a:p>
@@ -1823,7 +1823,7 @@
           <a:p>
             <a:fld id="{58780935-489C-480C-B5F3-352FC76F89BF}" type="datetimeFigureOut">
               <a:rPr lang="en-US" smtClean="0"/>
-              <a:t>6/13/2020</a:t>
+              <a:t>1/1/2021</a:t>
             </a:fld>
             <a:endParaRPr lang="en-US"/>
           </a:p>
@@ -1964,7 +1964,7 @@
           <a:p>
             <a:fld id="{58780935-489C-480C-B5F3-352FC76F89BF}" type="datetimeFigureOut">
               <a:rPr lang="en-US" smtClean="0"/>
-              <a:t>6/13/2020</a:t>
+              <a:t>1/1/2021</a:t>
             </a:fld>
             <a:endParaRPr lang="en-US"/>
           </a:p>
@@ -2077,7 +2077,7 @@
           <a:p>
             <a:fld id="{58780935-489C-480C-B5F3-352FC76F89BF}" type="datetimeFigureOut">
               <a:rPr lang="en-US" smtClean="0"/>
-              <a:t>6/13/2020</a:t>
+              <a:t>1/1/2021</a:t>
             </a:fld>
             <a:endParaRPr lang="en-US"/>
           </a:p>
@@ -2388,7 +2388,7 @@
           <a:p>
             <a:fld id="{58780935-489C-480C-B5F3-352FC76F89BF}" type="datetimeFigureOut">
               <a:rPr lang="en-US" smtClean="0"/>
-              <a:t>6/13/2020</a:t>
+              <a:t>1/1/2021</a:t>
             </a:fld>
             <a:endParaRPr lang="en-US"/>
           </a:p>
@@ -2676,7 +2676,7 @@
           <a:p>
             <a:fld id="{58780935-489C-480C-B5F3-352FC76F89BF}" type="datetimeFigureOut">
               <a:rPr lang="en-US" smtClean="0"/>
-              <a:t>6/13/2020</a:t>
+              <a:t>1/1/2021</a:t>
             </a:fld>
             <a:endParaRPr lang="en-US"/>
           </a:p>
@@ -2917,7 +2917,7 @@
           <a:p>
             <a:fld id="{58780935-489C-480C-B5F3-352FC76F89BF}" type="datetimeFigureOut">
               <a:rPr lang="en-US" smtClean="0"/>
-              <a:t>6/13/2020</a:t>
+              <a:t>1/1/2021</a:t>
             </a:fld>
             <a:endParaRPr lang="en-US"/>
           </a:p>
@@ -4223,7 +4223,7 @@
           <a:p>
             <a:r>
               <a:rPr lang="en-US" sz="2800" dirty="0"/>
-              <a:t>Feature Dimensional Reduction via Singular Value Decomposition (SVD) or Principle Component Analysis (PCA)</a:t>
+              <a:t>Feature Dimensional Reduction via Singular Value Decomposition (SVD) or Principal Component Analysis (PCA)</a:t>
             </a:r>
           </a:p>
         </p:txBody>
@@ -5005,7 +5005,15 @@
           <a:p>
             <a:r>
               <a:rPr lang="en-US" sz="2000" dirty="0"/>
-              <a:t>Key signatures of each person’s face image is the projection of his or her face pixels onto the principle components. </a:t>
+              <a:t>Key signatures of each person’s face image is the projection of his or her face pixels onto </a:t>
+            </a:r>
+            <a:r>
+              <a:rPr lang="en-US" sz="2000"/>
+              <a:t>the principal </a:t>
+            </a:r>
+            <a:r>
+              <a:rPr lang="en-US" sz="2000" dirty="0"/>
+              <a:t>components. </a:t>
             </a:r>
           </a:p>
           <a:p>
